--- a/Training OSGi.pptx
+++ b/Training OSGi.pptx
@@ -5,22 +5,25 @@
     <p:sldMasterId id="2147483648" r:id="rId1"/>
   </p:sldMasterIdLst>
   <p:notesMasterIdLst>
-    <p:notesMasterId r:id="rId12"/>
+    <p:notesMasterId r:id="rId15"/>
   </p:notesMasterIdLst>
   <p:handoutMasterIdLst>
-    <p:handoutMasterId r:id="rId13"/>
+    <p:handoutMasterId r:id="rId16"/>
   </p:handoutMasterIdLst>
   <p:sldIdLst>
     <p:sldId id="259" r:id="rId2"/>
-    <p:sldId id="269" r:id="rId3"/>
-    <p:sldId id="270" r:id="rId4"/>
-    <p:sldId id="271" r:id="rId5"/>
-    <p:sldId id="272" r:id="rId6"/>
-    <p:sldId id="275" r:id="rId7"/>
-    <p:sldId id="276" r:id="rId8"/>
-    <p:sldId id="273" r:id="rId9"/>
-    <p:sldId id="274" r:id="rId10"/>
-    <p:sldId id="277" r:id="rId11"/>
+    <p:sldId id="279" r:id="rId3"/>
+    <p:sldId id="278" r:id="rId4"/>
+    <p:sldId id="269" r:id="rId5"/>
+    <p:sldId id="270" r:id="rId6"/>
+    <p:sldId id="271" r:id="rId7"/>
+    <p:sldId id="272" r:id="rId8"/>
+    <p:sldId id="275" r:id="rId9"/>
+    <p:sldId id="276" r:id="rId10"/>
+    <p:sldId id="273" r:id="rId11"/>
+    <p:sldId id="274" r:id="rId12"/>
+    <p:sldId id="277" r:id="rId13"/>
+    <p:sldId id="280" r:id="rId14"/>
   </p:sldIdLst>
   <p:sldSz cx="9144000" cy="6858000" type="screen4x3"/>
   <p:notesSz cx="6858000" cy="9144000"/>
@@ -263,7 +266,7 @@
               <a:pPr>
                 <a:defRPr/>
               </a:pPr>
-              <a:t>8/25/2014</a:t>
+              <a:t>9/1/2014</a:t>
             </a:fld>
             <a:endParaRPr lang="en-US"/>
           </a:p>
@@ -487,7 +490,7 @@
               <a:pPr>
                 <a:defRPr/>
               </a:pPr>
-              <a:t>8/25/2014</a:t>
+              <a:t>9/1/2014</a:t>
             </a:fld>
             <a:endParaRPr lang="en-US"/>
           </a:p>
@@ -2618,23 +2621,176 @@
           <a:bodyPr/>
           <a:lstStyle/>
           <a:p>
-            <a:r>
-              <a:rPr lang="de-DE" sz="2800" dirty="0"/>
-              <a:t>Apache </a:t>
-            </a:r>
-            <a:r>
-              <a:rPr lang="de-DE" sz="2800" dirty="0" smtClean="0"/>
-              <a:t>Karaf, </a:t>
-            </a:r>
-            <a:r>
-              <a:rPr lang="de-DE" sz="2800" dirty="0"/>
-              <a:t>Blueprint </a:t>
-            </a:r>
-            <a:r>
-              <a:rPr lang="de-DE" sz="2800" dirty="0" smtClean="0"/>
-              <a:t>and OSGi services</a:t>
-            </a:r>
-            <a:endParaRPr lang="de-DE" sz="2800" dirty="0"/>
+            <a:pPr lvl="1"/>
+            <a:r>
+              <a:rPr lang="de-DE" dirty="0" smtClean="0"/>
+              <a:t>Lifecycle	</a:t>
+            </a:r>
+            <a:endParaRPr lang="de-DE" dirty="0"/>
+          </a:p>
+        </p:txBody>
+      </p:sp>
+      <p:sp>
+        <p:nvSpPr>
+          <p:cNvPr id="3" name="Content Placeholder 2"/>
+          <p:cNvSpPr>
+            <a:spLocks noGrp="1"/>
+          </p:cNvSpPr>
+          <p:nvPr>
+            <p:ph idx="1"/>
+          </p:nvPr>
+        </p:nvSpPr>
+        <p:spPr>
+          <a:xfrm>
+            <a:off x="457200" y="1168400"/>
+            <a:ext cx="7806267" cy="4597399"/>
+          </a:xfrm>
+        </p:spPr>
+        <p:txBody>
+          <a:bodyPr/>
+          <a:lstStyle/>
+          <a:p>
+            <a:r>
+              <a:rPr lang="de-DE" dirty="0" smtClean="0"/>
+              <a:t>Reflects dynamic nature</a:t>
+            </a:r>
+            <a:br>
+              <a:rPr lang="de-DE" dirty="0" smtClean="0"/>
+            </a:br>
+            <a:r>
+              <a:rPr lang="de-DE" dirty="0" smtClean="0"/>
+              <a:t>of OSGi</a:t>
+            </a:r>
+          </a:p>
+          <a:p>
+            <a:endParaRPr lang="de-DE" dirty="0"/>
+          </a:p>
+          <a:p>
+            <a:pPr marL="0" indent="0">
+              <a:buNone/>
+            </a:pPr>
+            <a:endParaRPr lang="de-DE" dirty="0"/>
+          </a:p>
+          <a:p>
+            <a:r>
+              <a:rPr lang="de-DE" dirty="0" smtClean="0"/>
+              <a:t>Resolve: Imported packages are bound to bundles that export them</a:t>
+            </a:r>
+          </a:p>
+          <a:p>
+            <a:r>
+              <a:rPr lang="de-DE" dirty="0" smtClean="0"/>
+              <a:t>Start: Activator start method is called</a:t>
+            </a:r>
+          </a:p>
+          <a:p>
+            <a:r>
+              <a:rPr lang="de-DE" dirty="0" smtClean="0"/>
+              <a:t>Stop: Activator stop method is called</a:t>
+            </a:r>
+          </a:p>
+        </p:txBody>
+      </p:sp>
+      <p:pic>
+        <p:nvPicPr>
+          <p:cNvPr id="4" name="Content Placeholder 3"/>
+          <p:cNvPicPr>
+            <a:picLocks noChangeAspect="1"/>
+          </p:cNvPicPr>
+          <p:nvPr/>
+        </p:nvPicPr>
+        <p:blipFill>
+          <a:blip r:embed="rId2"/>
+          <a:stretch>
+            <a:fillRect/>
+          </a:stretch>
+        </p:blipFill>
+        <p:spPr bwMode="auto">
+          <a:xfrm>
+            <a:off x="5052391" y="330200"/>
+            <a:ext cx="3939209" cy="2731030"/>
+          </a:xfrm>
+          <a:prstGeom prst="rect">
+            <a:avLst/>
+          </a:prstGeom>
+          <a:noFill/>
+          <a:ln>
+            <a:noFill/>
+          </a:ln>
+          <a:extLst>
+            <a:ext uri="{909E8E84-426E-40DD-AFC4-6F175D3DCCD1}">
+              <a14:hiddenFill xmlns:a14="http://schemas.microsoft.com/office/drawing/2010/main">
+                <a:solidFill>
+                  <a:srgbClr val="FFFFFF"/>
+                </a:solidFill>
+              </a14:hiddenFill>
+            </a:ext>
+            <a:ext uri="{91240B29-F687-4F45-9708-019B960494DF}">
+              <a14:hiddenLine xmlns:a14="http://schemas.microsoft.com/office/drawing/2010/main" w="9525">
+                <a:solidFill>
+                  <a:srgbClr val="000000"/>
+                </a:solidFill>
+                <a:miter lim="800000"/>
+                <a:headEnd/>
+                <a:tailEnd/>
+              </a14:hiddenLine>
+            </a:ext>
+            <a:ext uri="{FAA26D3D-D897-4be2-8F04-BA451C77F1D7}">
+              <ma14:placeholderFlag xmlns:ma14="http://schemas.microsoft.com/office/mac/drawingml/2011/main" xmlns="" val="1"/>
+            </a:ext>
+          </a:extLst>
+        </p:spPr>
+      </p:pic>
+    </p:spTree>
+    <p:extLst>
+      <p:ext uri="{BB962C8B-B14F-4D97-AF65-F5344CB8AC3E}">
+        <p14:creationId xmlns:p14="http://schemas.microsoft.com/office/powerpoint/2010/main" val="3202033879"/>
+      </p:ext>
+    </p:extLst>
+  </p:cSld>
+  <p:clrMapOvr>
+    <a:masterClrMapping/>
+  </p:clrMapOvr>
+</p:sld>
+</file>
+
+<file path=ppt/slides/slide11.xml><?xml version="1.0" encoding="utf-8"?>
+<p:sld xmlns:a="http://schemas.openxmlformats.org/drawingml/2006/main" xmlns:r="http://schemas.openxmlformats.org/officeDocument/2006/relationships" xmlns:p="http://schemas.openxmlformats.org/presentationml/2006/main">
+  <p:cSld>
+    <p:spTree>
+      <p:nvGrpSpPr>
+        <p:cNvPr id="1" name=""/>
+        <p:cNvGrpSpPr/>
+        <p:nvPr/>
+      </p:nvGrpSpPr>
+      <p:grpSpPr>
+        <a:xfrm>
+          <a:off x="0" y="0"/>
+          <a:ext cx="0" cy="0"/>
+          <a:chOff x="0" y="0"/>
+          <a:chExt cx="0" cy="0"/>
+        </a:xfrm>
+      </p:grpSpPr>
+      <p:sp>
+        <p:nvSpPr>
+          <p:cNvPr id="2" name="Title 1"/>
+          <p:cNvSpPr>
+            <a:spLocks noGrp="1"/>
+          </p:cNvSpPr>
+          <p:nvPr>
+            <p:ph type="title"/>
+          </p:nvPr>
+        </p:nvSpPr>
+        <p:spPr/>
+        <p:txBody>
+          <a:bodyPr/>
+          <a:lstStyle/>
+          <a:p>
+            <a:r>
+              <a:rPr lang="de-DE" dirty="0" smtClean="0"/>
+              <a:t>Services</a:t>
+            </a:r>
+            <a:endParaRPr lang="de-DE" dirty="0"/>
           </a:p>
         </p:txBody>
       </p:sp>
@@ -2654,6 +2810,151 @@
           <a:lstStyle/>
           <a:p>
             <a:r>
+              <a:rPr lang="de-DE" sz="2400" dirty="0" smtClean="0"/>
+              <a:t>OSGi Service: Java object instance + Properties</a:t>
+            </a:r>
+          </a:p>
+          <a:p>
+            <a:r>
+              <a:rPr lang="de-DE" sz="2400" dirty="0" smtClean="0"/>
+              <a:t>Bundles can register / unregister services at runtime</a:t>
+            </a:r>
+          </a:p>
+          <a:p>
+            <a:r>
+              <a:rPr lang="de-DE" sz="2400" dirty="0" smtClean="0"/>
+              <a:t>Bundles can listen to service lifecycle -&gt; ServiceReference</a:t>
+            </a:r>
+          </a:p>
+          <a:p>
+            <a:r>
+              <a:rPr lang="de-DE" sz="2400" dirty="0" smtClean="0"/>
+              <a:t>Service object retrieved using context.getService(reference)</a:t>
+            </a:r>
+          </a:p>
+          <a:p>
+            <a:r>
+              <a:rPr lang="de-DE" sz="2400" dirty="0" smtClean="0"/>
+              <a:t>Calls on service objects are pure java method calls. No magic</a:t>
+            </a:r>
+          </a:p>
+          <a:p>
+            <a:r>
+              <a:rPr lang="de-DE" sz="2400" dirty="0" smtClean="0"/>
+              <a:t>Never hold service objects over longer periods. Unget after use</a:t>
+            </a:r>
+          </a:p>
+        </p:txBody>
+      </p:sp>
+      <p:pic>
+        <p:nvPicPr>
+          <p:cNvPr id="5" name="Picture 4"/>
+          <p:cNvPicPr>
+            <a:picLocks noChangeAspect="1"/>
+          </p:cNvPicPr>
+          <p:nvPr/>
+        </p:nvPicPr>
+        <p:blipFill>
+          <a:blip r:embed="rId2"/>
+          <a:stretch>
+            <a:fillRect/>
+          </a:stretch>
+        </p:blipFill>
+        <p:spPr>
+          <a:xfrm>
+            <a:off x="2120333" y="4055774"/>
+            <a:ext cx="4926600" cy="1861560"/>
+          </a:xfrm>
+          <a:prstGeom prst="rect">
+            <a:avLst/>
+          </a:prstGeom>
+          <a:noFill/>
+          <a:ln>
+            <a:noFill/>
+          </a:ln>
+        </p:spPr>
+      </p:pic>
+    </p:spTree>
+    <p:extLst>
+      <p:ext uri="{BB962C8B-B14F-4D97-AF65-F5344CB8AC3E}">
+        <p14:creationId xmlns:p14="http://schemas.microsoft.com/office/powerpoint/2010/main" val="2676157991"/>
+      </p:ext>
+    </p:extLst>
+  </p:cSld>
+  <p:clrMapOvr>
+    <a:masterClrMapping/>
+  </p:clrMapOvr>
+</p:sld>
+</file>
+
+<file path=ppt/slides/slide12.xml><?xml version="1.0" encoding="utf-8"?>
+<p:sld xmlns:a="http://schemas.openxmlformats.org/drawingml/2006/main" xmlns:r="http://schemas.openxmlformats.org/officeDocument/2006/relationships" xmlns:p="http://schemas.openxmlformats.org/presentationml/2006/main">
+  <p:cSld>
+    <p:spTree>
+      <p:nvGrpSpPr>
+        <p:cNvPr id="1" name=""/>
+        <p:cNvGrpSpPr/>
+        <p:nvPr/>
+      </p:nvGrpSpPr>
+      <p:grpSpPr>
+        <a:xfrm>
+          <a:off x="0" y="0"/>
+          <a:ext cx="0" cy="0"/>
+          <a:chOff x="0" y="0"/>
+          <a:chExt cx="0" cy="0"/>
+        </a:xfrm>
+      </p:grpSpPr>
+      <p:sp>
+        <p:nvSpPr>
+          <p:cNvPr id="2" name="Title 1"/>
+          <p:cNvSpPr>
+            <a:spLocks noGrp="1"/>
+          </p:cNvSpPr>
+          <p:nvPr>
+            <p:ph type="title"/>
+          </p:nvPr>
+        </p:nvSpPr>
+        <p:spPr/>
+        <p:txBody>
+          <a:bodyPr/>
+          <a:lstStyle/>
+          <a:p>
+            <a:r>
+              <a:rPr lang="de-DE" sz="2800" dirty="0"/>
+              <a:t>Apache </a:t>
+            </a:r>
+            <a:r>
+              <a:rPr lang="de-DE" sz="2800" dirty="0" smtClean="0"/>
+              <a:t>Karaf, </a:t>
+            </a:r>
+            <a:r>
+              <a:rPr lang="de-DE" sz="2800" dirty="0"/>
+              <a:t>Blueprint </a:t>
+            </a:r>
+            <a:r>
+              <a:rPr lang="de-DE" sz="2800" dirty="0" smtClean="0"/>
+              <a:t>and OSGi services</a:t>
+            </a:r>
+            <a:endParaRPr lang="de-DE" sz="2800" dirty="0"/>
+          </a:p>
+        </p:txBody>
+      </p:sp>
+      <p:sp>
+        <p:nvSpPr>
+          <p:cNvPr id="3" name="Content Placeholder 2"/>
+          <p:cNvSpPr>
+            <a:spLocks noGrp="1"/>
+          </p:cNvSpPr>
+          <p:nvPr>
+            <p:ph idx="1"/>
+          </p:nvPr>
+        </p:nvSpPr>
+        <p:spPr/>
+        <p:txBody>
+          <a:bodyPr/>
+          <a:lstStyle/>
+          <a:p>
+            <a:r>
               <a:rPr lang="de-DE" dirty="0"/>
               <a:t>See apachecon talk </a:t>
             </a:r>
@@ -2680,6 +2981,199 @@
     <p:extLst>
       <p:ext uri="{BB962C8B-B14F-4D97-AF65-F5344CB8AC3E}">
         <p14:creationId xmlns:p14="http://schemas.microsoft.com/office/powerpoint/2010/main" val="3620503535"/>
+      </p:ext>
+    </p:extLst>
+  </p:cSld>
+  <p:clrMapOvr>
+    <a:masterClrMapping/>
+  </p:clrMapOvr>
+</p:sld>
+</file>
+
+<file path=ppt/slides/slide13.xml><?xml version="1.0" encoding="utf-8"?>
+<p:sld xmlns:a="http://schemas.openxmlformats.org/drawingml/2006/main" xmlns:r="http://schemas.openxmlformats.org/officeDocument/2006/relationships" xmlns:p="http://schemas.openxmlformats.org/presentationml/2006/main">
+  <p:cSld>
+    <p:spTree>
+      <p:nvGrpSpPr>
+        <p:cNvPr id="1" name=""/>
+        <p:cNvGrpSpPr/>
+        <p:nvPr/>
+      </p:nvGrpSpPr>
+      <p:grpSpPr>
+        <a:xfrm>
+          <a:off x="0" y="0"/>
+          <a:ext cx="0" cy="0"/>
+          <a:chOff x="0" y="0"/>
+          <a:chExt cx="0" cy="0"/>
+        </a:xfrm>
+      </p:grpSpPr>
+      <p:sp>
+        <p:nvSpPr>
+          <p:cNvPr id="2" name="Title 1"/>
+          <p:cNvSpPr>
+            <a:spLocks noGrp="1"/>
+          </p:cNvSpPr>
+          <p:nvPr>
+            <p:ph type="title"/>
+          </p:nvPr>
+        </p:nvSpPr>
+        <p:spPr/>
+        <p:txBody>
+          <a:bodyPr/>
+          <a:lstStyle/>
+          <a:p>
+            <a:r>
+              <a:rPr lang="de-DE" dirty="0" smtClean="0"/>
+              <a:t>Organizations and Projects</a:t>
+            </a:r>
+            <a:endParaRPr lang="de-DE" dirty="0"/>
+          </a:p>
+        </p:txBody>
+      </p:sp>
+      <p:sp>
+        <p:nvSpPr>
+          <p:cNvPr id="3" name="Content Placeholder 2"/>
+          <p:cNvSpPr>
+            <a:spLocks noGrp="1"/>
+          </p:cNvSpPr>
+          <p:nvPr>
+            <p:ph idx="1"/>
+          </p:nvPr>
+        </p:nvSpPr>
+        <p:spPr>
+          <a:xfrm>
+            <a:off x="457200" y="846138"/>
+            <a:ext cx="8229600" cy="5500071"/>
+          </a:xfrm>
+        </p:spPr>
+        <p:txBody>
+          <a:bodyPr/>
+          <a:lstStyle/>
+          <a:p>
+            <a:r>
+              <a:rPr lang="de-DE" sz="1800" dirty="0" smtClean="0"/>
+              <a:t>Apache</a:t>
+            </a:r>
+          </a:p>
+          <a:p>
+            <a:pPr lvl="1"/>
+            <a:r>
+              <a:rPr lang="de-DE" sz="1800" dirty="0" smtClean="0"/>
+              <a:t>Felix -&gt; OSGi Framework and impls to OSGi specs</a:t>
+            </a:r>
+          </a:p>
+          <a:p>
+            <a:pPr lvl="2"/>
+            <a:r>
+              <a:rPr lang="de-DE" sz="1400" dirty="0" smtClean="0"/>
+              <a:t>Maven  bundle plugin -&gt; uses bnd to create bundles</a:t>
+            </a:r>
+          </a:p>
+          <a:p>
+            <a:pPr lvl="1"/>
+            <a:r>
+              <a:rPr lang="de-DE" sz="1800" dirty="0" smtClean="0"/>
+              <a:t>Karaf -&gt; OSGi Server</a:t>
+            </a:r>
+          </a:p>
+          <a:p>
+            <a:pPr lvl="1"/>
+            <a:r>
+              <a:rPr lang="de-DE" sz="1800" dirty="0" smtClean="0"/>
+              <a:t>Aries -&gt; impls to OSGi specs</a:t>
+            </a:r>
+          </a:p>
+          <a:p>
+            <a:pPr lvl="2"/>
+            <a:r>
+              <a:rPr lang="de-DE" sz="1800" dirty="0" smtClean="0"/>
+              <a:t>Blueprint</a:t>
+            </a:r>
+          </a:p>
+          <a:p>
+            <a:pPr lvl="2"/>
+            <a:r>
+              <a:rPr lang="de-DE" sz="1800" dirty="0" smtClean="0"/>
+              <a:t>JPA</a:t>
+            </a:r>
+          </a:p>
+          <a:p>
+            <a:pPr lvl="2"/>
+            <a:r>
+              <a:rPr lang="de-DE" sz="1800" dirty="0" smtClean="0"/>
+              <a:t>JNDI</a:t>
+            </a:r>
+          </a:p>
+          <a:p>
+            <a:r>
+              <a:rPr lang="de-DE" sz="1800" dirty="0" smtClean="0"/>
+              <a:t>Eclipse</a:t>
+            </a:r>
+          </a:p>
+          <a:p>
+            <a:pPr lvl="1"/>
+            <a:r>
+              <a:rPr lang="de-DE" sz="1800" dirty="0" smtClean="0"/>
+              <a:t>Equinox -&gt; OSGi Framework</a:t>
+            </a:r>
+          </a:p>
+          <a:p>
+            <a:pPr lvl="1"/>
+            <a:r>
+              <a:rPr lang="de-DE" sz="1800" dirty="0" smtClean="0"/>
+              <a:t>Other OSGi spec impls</a:t>
+            </a:r>
+          </a:p>
+          <a:p>
+            <a:r>
+              <a:rPr lang="de-DE" sz="1800" dirty="0" smtClean="0"/>
+              <a:t>OPS4J</a:t>
+            </a:r>
+          </a:p>
+          <a:p>
+            <a:pPr lvl="1"/>
+            <a:r>
+              <a:rPr lang="de-DE" sz="1800" dirty="0" smtClean="0"/>
+              <a:t>Pax Project -&gt; OSGi tools</a:t>
+            </a:r>
+          </a:p>
+          <a:p>
+            <a:pPr lvl="2"/>
+            <a:r>
+              <a:rPr lang="de-DE" sz="1800" dirty="0" smtClean="0"/>
+              <a:t>Pax Web</a:t>
+            </a:r>
+          </a:p>
+          <a:p>
+            <a:pPr lvl="2"/>
+            <a:r>
+              <a:rPr lang="de-DE" sz="1800" dirty="0" smtClean="0"/>
+              <a:t>Pax Exam</a:t>
+            </a:r>
+          </a:p>
+          <a:p>
+            <a:r>
+              <a:rPr lang="de-DE" sz="1800" dirty="0" smtClean="0"/>
+              <a:t>OSGi Alliance</a:t>
+            </a:r>
+          </a:p>
+          <a:p>
+            <a:pPr lvl="1"/>
+            <a:r>
+              <a:rPr lang="de-DE" sz="1400" dirty="0" smtClean="0"/>
+              <a:t>Bnd -&gt; Tool to create Manifests for bundles</a:t>
+            </a:r>
+          </a:p>
+          <a:p>
+            <a:pPr lvl="1"/>
+            <a:endParaRPr lang="de-DE" sz="1400" dirty="0" smtClean="0"/>
+          </a:p>
+        </p:txBody>
+      </p:sp>
+    </p:spTree>
+    <p:extLst>
+      <p:ext uri="{BB962C8B-B14F-4D97-AF65-F5344CB8AC3E}">
+        <p14:creationId xmlns:p14="http://schemas.microsoft.com/office/powerpoint/2010/main" val="587293067"/>
       </p:ext>
     </p:extLst>
   </p:cSld>
@@ -2722,6 +3216,231 @@
           <a:lstStyle/>
           <a:p>
             <a:r>
+              <a:rPr lang="de-DE" dirty="0" smtClean="0"/>
+              <a:t>Agenda</a:t>
+            </a:r>
+            <a:endParaRPr lang="de-DE" dirty="0"/>
+          </a:p>
+        </p:txBody>
+      </p:sp>
+      <p:sp>
+        <p:nvSpPr>
+          <p:cNvPr id="3" name="Content Placeholder 2"/>
+          <p:cNvSpPr>
+            <a:spLocks noGrp="1"/>
+          </p:cNvSpPr>
+          <p:nvPr>
+            <p:ph idx="1"/>
+          </p:nvPr>
+        </p:nvSpPr>
+        <p:spPr/>
+        <p:txBody>
+          <a:bodyPr/>
+          <a:lstStyle/>
+          <a:p>
+            <a:r>
+              <a:rPr lang="de-DE" dirty="0" smtClean="0"/>
+              <a:t>OSGi basics</a:t>
+            </a:r>
+          </a:p>
+          <a:p>
+            <a:r>
+              <a:rPr lang="de-DE" dirty="0" smtClean="0"/>
+              <a:t>Blueprint (Dependency Injection)</a:t>
+            </a:r>
+          </a:p>
+          <a:p>
+            <a:r>
+              <a:rPr lang="de-DE" dirty="0" smtClean="0"/>
+              <a:t>Pax Exam (Integration Tests)</a:t>
+            </a:r>
+          </a:p>
+          <a:p>
+            <a:r>
+              <a:rPr lang="de-DE" dirty="0" smtClean="0"/>
+              <a:t>Apache CXF (Web Services and Rest Resources)</a:t>
+            </a:r>
+          </a:p>
+          <a:p>
+            <a:r>
+              <a:rPr lang="de-DE" dirty="0" smtClean="0"/>
+              <a:t>Apache Camel (Integration)</a:t>
+            </a:r>
+          </a:p>
+          <a:p>
+            <a:r>
+              <a:rPr lang="de-DE" dirty="0" smtClean="0"/>
+              <a:t>JPA</a:t>
+            </a:r>
+          </a:p>
+          <a:p>
+            <a:endParaRPr lang="de-DE" dirty="0"/>
+          </a:p>
+          <a:p>
+            <a:pPr marL="0" indent="0">
+              <a:buNone/>
+            </a:pPr>
+            <a:endParaRPr lang="de-DE" dirty="0"/>
+          </a:p>
+        </p:txBody>
+      </p:sp>
+    </p:spTree>
+    <p:extLst>
+      <p:ext uri="{BB962C8B-B14F-4D97-AF65-F5344CB8AC3E}">
+        <p14:creationId xmlns:p14="http://schemas.microsoft.com/office/powerpoint/2010/main" val="3606880104"/>
+      </p:ext>
+    </p:extLst>
+  </p:cSld>
+  <p:clrMapOvr>
+    <a:masterClrMapping/>
+  </p:clrMapOvr>
+</p:sld>
+</file>
+
+<file path=ppt/slides/slide3.xml><?xml version="1.0" encoding="utf-8"?>
+<p:sld xmlns:a="http://schemas.openxmlformats.org/drawingml/2006/main" xmlns:r="http://schemas.openxmlformats.org/officeDocument/2006/relationships" xmlns:p="http://schemas.openxmlformats.org/presentationml/2006/main">
+  <p:cSld>
+    <p:spTree>
+      <p:nvGrpSpPr>
+        <p:cNvPr id="1" name=""/>
+        <p:cNvGrpSpPr/>
+        <p:nvPr/>
+      </p:nvGrpSpPr>
+      <p:grpSpPr>
+        <a:xfrm>
+          <a:off x="0" y="0"/>
+          <a:ext cx="0" cy="0"/>
+          <a:chOff x="0" y="0"/>
+          <a:chExt cx="0" cy="0"/>
+        </a:xfrm>
+      </p:grpSpPr>
+      <p:sp>
+        <p:nvSpPr>
+          <p:cNvPr id="2" name="Title 1"/>
+          <p:cNvSpPr>
+            <a:spLocks noGrp="1"/>
+          </p:cNvSpPr>
+          <p:nvPr>
+            <p:ph type="title"/>
+          </p:nvPr>
+        </p:nvSpPr>
+        <p:spPr/>
+        <p:txBody>
+          <a:bodyPr/>
+          <a:lstStyle/>
+          <a:p>
+            <a:r>
+              <a:rPr lang="de-DE" dirty="0" smtClean="0"/>
+              <a:t>Prerequisites</a:t>
+            </a:r>
+            <a:endParaRPr lang="de-DE" dirty="0"/>
+          </a:p>
+        </p:txBody>
+      </p:sp>
+      <p:sp>
+        <p:nvSpPr>
+          <p:cNvPr id="3" name="Content Placeholder 2"/>
+          <p:cNvSpPr>
+            <a:spLocks noGrp="1"/>
+          </p:cNvSpPr>
+          <p:nvPr>
+            <p:ph idx="1"/>
+          </p:nvPr>
+        </p:nvSpPr>
+        <p:spPr/>
+        <p:txBody>
+          <a:bodyPr/>
+          <a:lstStyle/>
+          <a:p>
+            <a:r>
+              <a:rPr lang="de-DE" dirty="0" smtClean="0">
+                <a:hlinkClick r:id="rId2"/>
+              </a:rPr>
+              <a:t>Apache Karaf 2.3.5</a:t>
+            </a:r>
+            <a:endParaRPr lang="de-DE" dirty="0" smtClean="0"/>
+          </a:p>
+          <a:p>
+            <a:r>
+              <a:rPr lang="de-DE" dirty="0" smtClean="0">
+                <a:hlinkClick r:id="rId3"/>
+              </a:rPr>
+              <a:t>Eclipse Luna</a:t>
+            </a:r>
+            <a:endParaRPr lang="de-DE" dirty="0" smtClean="0"/>
+          </a:p>
+          <a:p>
+            <a:r>
+              <a:rPr lang="de-DE" dirty="0" smtClean="0">
+                <a:hlinkClick r:id="rId4"/>
+              </a:rPr>
+              <a:t>Apache Maven 3.0.x</a:t>
+            </a:r>
+            <a:endParaRPr lang="de-DE" dirty="0" smtClean="0"/>
+          </a:p>
+          <a:p>
+            <a:r>
+              <a:rPr lang="de-DE" smtClean="0">
+                <a:hlinkClick r:id="rId5"/>
+              </a:rPr>
+              <a:t>Training templates</a:t>
+            </a:r>
+            <a:endParaRPr lang="de-DE" smtClean="0"/>
+          </a:p>
+          <a:p>
+            <a:pPr marL="0" indent="0">
+              <a:buNone/>
+            </a:pPr>
+            <a:endParaRPr lang="de-DE" dirty="0"/>
+          </a:p>
+        </p:txBody>
+      </p:sp>
+    </p:spTree>
+    <p:extLst>
+      <p:ext uri="{BB962C8B-B14F-4D97-AF65-F5344CB8AC3E}">
+        <p14:creationId xmlns:p14="http://schemas.microsoft.com/office/powerpoint/2010/main" val="4057450725"/>
+      </p:ext>
+    </p:extLst>
+  </p:cSld>
+  <p:clrMapOvr>
+    <a:masterClrMapping/>
+  </p:clrMapOvr>
+</p:sld>
+</file>
+
+<file path=ppt/slides/slide4.xml><?xml version="1.0" encoding="utf-8"?>
+<p:sld xmlns:a="http://schemas.openxmlformats.org/drawingml/2006/main" xmlns:r="http://schemas.openxmlformats.org/officeDocument/2006/relationships" xmlns:p="http://schemas.openxmlformats.org/presentationml/2006/main">
+  <p:cSld>
+    <p:spTree>
+      <p:nvGrpSpPr>
+        <p:cNvPr id="1" name=""/>
+        <p:cNvGrpSpPr/>
+        <p:nvPr/>
+      </p:nvGrpSpPr>
+      <p:grpSpPr>
+        <a:xfrm>
+          <a:off x="0" y="0"/>
+          <a:ext cx="0" cy="0"/>
+          <a:chOff x="0" y="0"/>
+          <a:chExt cx="0" cy="0"/>
+        </a:xfrm>
+      </p:grpSpPr>
+      <p:sp>
+        <p:nvSpPr>
+          <p:cNvPr id="2" name="Title 1"/>
+          <p:cNvSpPr>
+            <a:spLocks noGrp="1"/>
+          </p:cNvSpPr>
+          <p:nvPr>
+            <p:ph type="title"/>
+          </p:nvPr>
+        </p:nvSpPr>
+        <p:spPr/>
+        <p:txBody>
+          <a:bodyPr/>
+          <a:lstStyle/>
+          <a:p>
+            <a:r>
               <a:rPr lang="en-GB" dirty="0" smtClean="0"/>
               <a:t>What is OSGi	?</a:t>
             </a:r>
@@ -2898,7 +3617,7 @@
 </p:sld>
 </file>
 
-<file path=ppt/slides/slide3.xml><?xml version="1.0" encoding="utf-8"?>
+<file path=ppt/slides/slide5.xml><?xml version="1.0" encoding="utf-8"?>
 <p:sld xmlns:a="http://schemas.openxmlformats.org/drawingml/2006/main" xmlns:r="http://schemas.openxmlformats.org/officeDocument/2006/relationships" xmlns:p="http://schemas.openxmlformats.org/presentationml/2006/main">
   <p:cSld>
     <p:spTree>
@@ -2979,7 +3698,7 @@
 </p:sld>
 </file>
 
-<file path=ppt/slides/slide4.xml><?xml version="1.0" encoding="utf-8"?>
+<file path=ppt/slides/slide6.xml><?xml version="1.0" encoding="utf-8"?>
 <p:sld xmlns:a="http://schemas.openxmlformats.org/drawingml/2006/main" xmlns:r="http://schemas.openxmlformats.org/officeDocument/2006/relationships" xmlns:p="http://schemas.openxmlformats.org/presentationml/2006/main">
   <p:cSld>
     <p:spTree>
@@ -3074,7 +3793,7 @@
 </p:sld>
 </file>
 
-<file path=ppt/slides/slide5.xml><?xml version="1.0" encoding="utf-8"?>
+<file path=ppt/slides/slide7.xml><?xml version="1.0" encoding="utf-8"?>
 <p:sld xmlns:a="http://schemas.openxmlformats.org/drawingml/2006/main" xmlns:r="http://schemas.openxmlformats.org/officeDocument/2006/relationships" xmlns:p="http://schemas.openxmlformats.org/presentationml/2006/main">
   <p:cSld>
     <p:spTree>
@@ -3800,7 +4519,7 @@
 </p:sld>
 </file>
 
-<file path=ppt/slides/slide6.xml><?xml version="1.0" encoding="utf-8"?>
+<file path=ppt/slides/slide8.xml><?xml version="1.0" encoding="utf-8"?>
 <p:sld xmlns:a="http://schemas.openxmlformats.org/drawingml/2006/main" xmlns:r="http://schemas.openxmlformats.org/officeDocument/2006/relationships" xmlns:p="http://schemas.openxmlformats.org/presentationml/2006/main">
   <p:cSld>
     <p:spTree>
@@ -4195,353 +4914,6 @@
 </p:sld>
 </file>
 
-<file path=ppt/slides/slide7.xml><?xml version="1.0" encoding="utf-8"?>
-<p:sld xmlns:a="http://schemas.openxmlformats.org/drawingml/2006/main" xmlns:r="http://schemas.openxmlformats.org/officeDocument/2006/relationships" xmlns:p="http://schemas.openxmlformats.org/presentationml/2006/main">
-  <p:cSld>
-    <p:spTree>
-      <p:nvGrpSpPr>
-        <p:cNvPr id="1" name=""/>
-        <p:cNvGrpSpPr/>
-        <p:nvPr/>
-      </p:nvGrpSpPr>
-      <p:grpSpPr>
-        <a:xfrm>
-          <a:off x="0" y="0"/>
-          <a:ext cx="0" cy="0"/>
-          <a:chOff x="0" y="0"/>
-          <a:chExt cx="0" cy="0"/>
-        </a:xfrm>
-      </p:grpSpPr>
-      <p:sp>
-        <p:nvSpPr>
-          <p:cNvPr id="2" name="Title 1"/>
-          <p:cNvSpPr>
-            <a:spLocks noGrp="1"/>
-          </p:cNvSpPr>
-          <p:nvPr>
-            <p:ph type="title"/>
-          </p:nvPr>
-        </p:nvSpPr>
-        <p:spPr/>
-        <p:txBody>
-          <a:bodyPr/>
-          <a:lstStyle/>
-          <a:p>
-            <a:r>
-              <a:rPr lang="de-DE" dirty="0" smtClean="0"/>
-              <a:t>Modules (Classloading 2)</a:t>
-            </a:r>
-            <a:endParaRPr lang="de-DE" dirty="0"/>
-          </a:p>
-        </p:txBody>
-      </p:sp>
-      <p:sp>
-        <p:nvSpPr>
-          <p:cNvPr id="3" name="Content Placeholder 2"/>
-          <p:cNvSpPr>
-            <a:spLocks noGrp="1"/>
-          </p:cNvSpPr>
-          <p:nvPr>
-            <p:ph idx="1"/>
-          </p:nvPr>
-        </p:nvSpPr>
-        <p:spPr>
-          <a:xfrm>
-            <a:off x="457200" y="1168400"/>
-            <a:ext cx="8229600" cy="4648200"/>
-          </a:xfrm>
-        </p:spPr>
-        <p:txBody>
-          <a:bodyPr/>
-          <a:lstStyle/>
-          <a:p>
-            <a:r>
-              <a:rPr lang="de-DE" dirty="0" smtClean="0"/>
-              <a:t>The classloader of a class is the </a:t>
-            </a:r>
-            <a:r>
-              <a:rPr lang="de-DE" dirty="0"/>
-              <a:t>(delegated) </a:t>
-            </a:r>
-            <a:r>
-              <a:rPr lang="de-DE" dirty="0" smtClean="0"/>
-              <a:t> classloader that ultimately loaded the class</a:t>
-            </a:r>
-          </a:p>
-          <a:p>
-            <a:pPr marL="0" indent="0">
-              <a:buNone/>
-            </a:pPr>
-            <a:r>
-              <a:rPr lang="de-DE" dirty="0" smtClean="0"/>
-              <a:t>Example:</a:t>
-            </a:r>
-            <a:br>
-              <a:rPr lang="de-DE" dirty="0" smtClean="0"/>
-            </a:br>
-            <a:r>
-              <a:rPr lang="de-DE" dirty="0" smtClean="0"/>
-              <a:t>Class A from Bundle BundleA</a:t>
-            </a:r>
-          </a:p>
-          <a:p>
-            <a:pPr marL="0" indent="0">
-              <a:buNone/>
-            </a:pPr>
-            <a:r>
-              <a:rPr lang="de-DE" dirty="0" smtClean="0"/>
-              <a:t>Class B from Bundle BundleB</a:t>
-            </a:r>
-          </a:p>
-          <a:p>
-            <a:pPr marL="0" indent="0">
-              <a:buNone/>
-            </a:pPr>
-            <a:r>
-              <a:rPr lang="de-DE" dirty="0" smtClean="0"/>
-              <a:t/>
-            </a:r>
-            <a:br>
-              <a:rPr lang="de-DE" dirty="0" smtClean="0"/>
-            </a:br>
-            <a:r>
-              <a:rPr lang="de-DE" dirty="0" smtClean="0"/>
-              <a:t>Code inside class A:</a:t>
-            </a:r>
-            <a:br>
-              <a:rPr lang="de-DE" dirty="0" smtClean="0"/>
-            </a:br>
-            <a:r>
-              <a:rPr lang="de-DE" sz="2000" dirty="0" smtClean="0">
-                <a:latin typeface="Letter Gothic" pitchFamily="49" charset="0"/>
-              </a:rPr>
-              <a:t>this.getClass().getClassloader()</a:t>
-            </a:r>
-            <a:r>
-              <a:rPr lang="de-DE" sz="2000" dirty="0"/>
-              <a:t> -&gt; Classloader of Bundle </a:t>
-            </a:r>
-            <a:r>
-              <a:rPr lang="de-DE" sz="2000" dirty="0" smtClean="0"/>
-              <a:t>A</a:t>
-            </a:r>
-            <a:r>
-              <a:rPr lang="de-DE" sz="2000" dirty="0" smtClean="0">
-                <a:latin typeface="Letter Gothic" pitchFamily="49" charset="0"/>
-              </a:rPr>
-              <a:t/>
-            </a:r>
-            <a:br>
-              <a:rPr lang="de-DE" sz="2000" dirty="0" smtClean="0">
-                <a:latin typeface="Letter Gothic" pitchFamily="49" charset="0"/>
-              </a:rPr>
-            </a:br>
-            <a:r>
-              <a:rPr lang="de-DE" sz="2000" dirty="0" smtClean="0">
-                <a:latin typeface="Letter Gothic" pitchFamily="49" charset="0"/>
-              </a:rPr>
-              <a:t>B b = new B();</a:t>
-            </a:r>
-            <a:br>
-              <a:rPr lang="de-DE" sz="2000" dirty="0" smtClean="0">
-                <a:latin typeface="Letter Gothic" pitchFamily="49" charset="0"/>
-              </a:rPr>
-            </a:br>
-            <a:r>
-              <a:rPr lang="de-DE" sz="2000" dirty="0" smtClean="0">
-                <a:latin typeface="Letter Gothic" pitchFamily="49" charset="0"/>
-              </a:rPr>
-              <a:t>b.getClass().getClassloader()</a:t>
-            </a:r>
-            <a:r>
-              <a:rPr lang="de-DE" dirty="0" smtClean="0"/>
-              <a:t> </a:t>
-            </a:r>
-            <a:r>
-              <a:rPr lang="de-DE" sz="2000" dirty="0" smtClean="0"/>
-              <a:t>-&gt; Classloader of Bundle B</a:t>
-            </a:r>
-          </a:p>
-        </p:txBody>
-      </p:sp>
-    </p:spTree>
-    <p:extLst>
-      <p:ext uri="{BB962C8B-B14F-4D97-AF65-F5344CB8AC3E}">
-        <p14:creationId xmlns:p14="http://schemas.microsoft.com/office/powerpoint/2010/main" val="2108691116"/>
-      </p:ext>
-    </p:extLst>
-  </p:cSld>
-  <p:clrMapOvr>
-    <a:masterClrMapping/>
-  </p:clrMapOvr>
-</p:sld>
-</file>
-
-<file path=ppt/slides/slide8.xml><?xml version="1.0" encoding="utf-8"?>
-<p:sld xmlns:a="http://schemas.openxmlformats.org/drawingml/2006/main" xmlns:r="http://schemas.openxmlformats.org/officeDocument/2006/relationships" xmlns:p="http://schemas.openxmlformats.org/presentationml/2006/main">
-  <p:cSld>
-    <p:spTree>
-      <p:nvGrpSpPr>
-        <p:cNvPr id="1" name=""/>
-        <p:cNvGrpSpPr/>
-        <p:nvPr/>
-      </p:nvGrpSpPr>
-      <p:grpSpPr>
-        <a:xfrm>
-          <a:off x="0" y="0"/>
-          <a:ext cx="0" cy="0"/>
-          <a:chOff x="0" y="0"/>
-          <a:chExt cx="0" cy="0"/>
-        </a:xfrm>
-      </p:grpSpPr>
-      <p:sp>
-        <p:nvSpPr>
-          <p:cNvPr id="2" name="Title 1"/>
-          <p:cNvSpPr>
-            <a:spLocks noGrp="1"/>
-          </p:cNvSpPr>
-          <p:nvPr>
-            <p:ph type="title"/>
-          </p:nvPr>
-        </p:nvSpPr>
-        <p:spPr/>
-        <p:txBody>
-          <a:bodyPr/>
-          <a:lstStyle/>
-          <a:p>
-            <a:pPr lvl="1"/>
-            <a:r>
-              <a:rPr lang="de-DE" dirty="0" smtClean="0"/>
-              <a:t>Lifecycle	</a:t>
-            </a:r>
-            <a:endParaRPr lang="de-DE" dirty="0"/>
-          </a:p>
-        </p:txBody>
-      </p:sp>
-      <p:sp>
-        <p:nvSpPr>
-          <p:cNvPr id="3" name="Content Placeholder 2"/>
-          <p:cNvSpPr>
-            <a:spLocks noGrp="1"/>
-          </p:cNvSpPr>
-          <p:nvPr>
-            <p:ph idx="1"/>
-          </p:nvPr>
-        </p:nvSpPr>
-        <p:spPr>
-          <a:xfrm>
-            <a:off x="457200" y="1168400"/>
-            <a:ext cx="7806267" cy="4597399"/>
-          </a:xfrm>
-        </p:spPr>
-        <p:txBody>
-          <a:bodyPr/>
-          <a:lstStyle/>
-          <a:p>
-            <a:r>
-              <a:rPr lang="de-DE" dirty="0" smtClean="0"/>
-              <a:t>Reflects dynamic nature</a:t>
-            </a:r>
-            <a:br>
-              <a:rPr lang="de-DE" dirty="0" smtClean="0"/>
-            </a:br>
-            <a:r>
-              <a:rPr lang="de-DE" dirty="0" smtClean="0"/>
-              <a:t>of OSGi</a:t>
-            </a:r>
-          </a:p>
-          <a:p>
-            <a:endParaRPr lang="de-DE" dirty="0"/>
-          </a:p>
-          <a:p>
-            <a:pPr marL="0" indent="0">
-              <a:buNone/>
-            </a:pPr>
-            <a:endParaRPr lang="de-DE" dirty="0"/>
-          </a:p>
-          <a:p>
-            <a:r>
-              <a:rPr lang="de-DE" dirty="0" smtClean="0"/>
-              <a:t>Resolve: Imported packages are bound to bundles that export them</a:t>
-            </a:r>
-          </a:p>
-          <a:p>
-            <a:r>
-              <a:rPr lang="de-DE" dirty="0" smtClean="0"/>
-              <a:t>Start: Activator start method is called</a:t>
-            </a:r>
-          </a:p>
-          <a:p>
-            <a:r>
-              <a:rPr lang="de-DE" dirty="0" smtClean="0"/>
-              <a:t>Stop: Activator stop method is called</a:t>
-            </a:r>
-          </a:p>
-        </p:txBody>
-      </p:sp>
-      <p:pic>
-        <p:nvPicPr>
-          <p:cNvPr id="4" name="Content Placeholder 3"/>
-          <p:cNvPicPr>
-            <a:picLocks noChangeAspect="1"/>
-          </p:cNvPicPr>
-          <p:nvPr/>
-        </p:nvPicPr>
-        <p:blipFill>
-          <a:blip r:embed="rId2"/>
-          <a:stretch>
-            <a:fillRect/>
-          </a:stretch>
-        </p:blipFill>
-        <p:spPr bwMode="auto">
-          <a:xfrm>
-            <a:off x="5052391" y="330200"/>
-            <a:ext cx="3939209" cy="2731030"/>
-          </a:xfrm>
-          <a:prstGeom prst="rect">
-            <a:avLst/>
-          </a:prstGeom>
-          <a:noFill/>
-          <a:ln>
-            <a:noFill/>
-          </a:ln>
-          <a:extLst>
-            <a:ext uri="{909E8E84-426E-40DD-AFC4-6F175D3DCCD1}">
-              <a14:hiddenFill xmlns:a14="http://schemas.microsoft.com/office/drawing/2010/main">
-                <a:solidFill>
-                  <a:srgbClr val="FFFFFF"/>
-                </a:solidFill>
-              </a14:hiddenFill>
-            </a:ext>
-            <a:ext uri="{91240B29-F687-4F45-9708-019B960494DF}">
-              <a14:hiddenLine xmlns:a14="http://schemas.microsoft.com/office/drawing/2010/main" w="9525">
-                <a:solidFill>
-                  <a:srgbClr val="000000"/>
-                </a:solidFill>
-                <a:miter lim="800000"/>
-                <a:headEnd/>
-                <a:tailEnd/>
-              </a14:hiddenLine>
-            </a:ext>
-            <a:ext uri="{FAA26D3D-D897-4be2-8F04-BA451C77F1D7}">
-              <ma14:placeholderFlag xmlns:ma14="http://schemas.microsoft.com/office/mac/drawingml/2011/main" xmlns="" val="1"/>
-            </a:ext>
-          </a:extLst>
-        </p:spPr>
-      </p:pic>
-    </p:spTree>
-    <p:extLst>
-      <p:ext uri="{BB962C8B-B14F-4D97-AF65-F5344CB8AC3E}">
-        <p14:creationId xmlns:p14="http://schemas.microsoft.com/office/powerpoint/2010/main" val="3202033879"/>
-      </p:ext>
-    </p:extLst>
-  </p:cSld>
-  <p:clrMapOvr>
-    <a:masterClrMapping/>
-  </p:clrMapOvr>
-</p:sld>
-</file>
-
 <file path=ppt/slides/slide9.xml><?xml version="1.0" encoding="utf-8"?>
 <p:sld xmlns:a="http://schemas.openxmlformats.org/drawingml/2006/main" xmlns:r="http://schemas.openxmlformats.org/officeDocument/2006/relationships" xmlns:p="http://schemas.openxmlformats.org/presentationml/2006/main">
   <p:cSld>
@@ -4576,7 +4948,7 @@
           <a:p>
             <a:r>
               <a:rPr lang="de-DE" dirty="0" smtClean="0"/>
-              <a:t>Services</a:t>
+              <a:t>Modules (Classloading 2)</a:t>
             </a:r>
             <a:endParaRPr lang="de-DE" dirty="0"/>
           </a:p>
@@ -4592,80 +4964,129 @@
             <p:ph idx="1"/>
           </p:nvPr>
         </p:nvSpPr>
-        <p:spPr/>
+        <p:spPr>
+          <a:xfrm>
+            <a:off x="457200" y="1168400"/>
+            <a:ext cx="8229600" cy="4648200"/>
+          </a:xfrm>
+        </p:spPr>
         <p:txBody>
           <a:bodyPr/>
           <a:lstStyle/>
           <a:p>
             <a:r>
-              <a:rPr lang="de-DE" sz="2400" dirty="0" smtClean="0"/>
-              <a:t>OSGi Service: Java object instance + Properties</a:t>
-            </a:r>
-          </a:p>
-          <a:p>
-            <a:r>
-              <a:rPr lang="de-DE" sz="2400" dirty="0" smtClean="0"/>
-              <a:t>Bundles can register / unregister services at runtime</a:t>
-            </a:r>
-          </a:p>
-          <a:p>
-            <a:r>
-              <a:rPr lang="de-DE" sz="2400" dirty="0" smtClean="0"/>
-              <a:t>Bundles can listen to service lifecycle -&gt; ServiceReference</a:t>
-            </a:r>
-          </a:p>
-          <a:p>
-            <a:r>
-              <a:rPr lang="de-DE" sz="2400" dirty="0" smtClean="0"/>
-              <a:t>Service object retrieved using context.getService(reference)</a:t>
-            </a:r>
-          </a:p>
-          <a:p>
-            <a:r>
-              <a:rPr lang="de-DE" sz="2400" dirty="0" smtClean="0"/>
-              <a:t>Calls on service objects are pure java method calls. No magic</a:t>
-            </a:r>
-          </a:p>
-          <a:p>
-            <a:r>
-              <a:rPr lang="de-DE" sz="2400" dirty="0" smtClean="0"/>
-              <a:t>Never hold service objects over longer periods. Unget after use</a:t>
+              <a:rPr lang="de-DE" dirty="0" smtClean="0"/>
+              <a:t>The classloader of a class is the </a:t>
+            </a:r>
+            <a:r>
+              <a:rPr lang="de-DE" dirty="0"/>
+              <a:t>(delegated) </a:t>
+            </a:r>
+            <a:r>
+              <a:rPr lang="de-DE" dirty="0" smtClean="0"/>
+              <a:t> classloader that ultimately loaded the class</a:t>
+            </a:r>
+          </a:p>
+          <a:p>
+            <a:pPr marL="0" indent="0">
+              <a:buNone/>
+            </a:pPr>
+            <a:r>
+              <a:rPr lang="de-DE" dirty="0" smtClean="0"/>
+              <a:t>Example:</a:t>
+            </a:r>
+            <a:br>
+              <a:rPr lang="de-DE" dirty="0" smtClean="0"/>
+            </a:br>
+            <a:r>
+              <a:rPr lang="de-DE" dirty="0" smtClean="0"/>
+              <a:t>Class A from Bundle BundleA</a:t>
+            </a:r>
+          </a:p>
+          <a:p>
+            <a:pPr marL="0" indent="0">
+              <a:buNone/>
+            </a:pPr>
+            <a:r>
+              <a:rPr lang="de-DE" dirty="0" smtClean="0"/>
+              <a:t>Class B from Bundle BundleB</a:t>
+            </a:r>
+          </a:p>
+          <a:p>
+            <a:pPr marL="0" indent="0">
+              <a:buNone/>
+            </a:pPr>
+            <a:r>
+              <a:rPr lang="de-DE" dirty="0" smtClean="0"/>
+              <a:t/>
+            </a:r>
+            <a:br>
+              <a:rPr lang="de-DE" dirty="0" smtClean="0"/>
+            </a:br>
+            <a:r>
+              <a:rPr lang="de-DE" dirty="0" smtClean="0"/>
+              <a:t>Code inside class A:</a:t>
+            </a:r>
+            <a:br>
+              <a:rPr lang="de-DE" dirty="0" smtClean="0"/>
+            </a:br>
+            <a:r>
+              <a:rPr lang="de-DE" sz="2000" dirty="0" smtClean="0">
+                <a:latin typeface="Letter Gothic" pitchFamily="49" charset="0"/>
+              </a:rPr>
+              <a:t>this.getClass().getClassloader()</a:t>
+            </a:r>
+            <a:r>
+              <a:rPr lang="de-DE" sz="2000" dirty="0"/>
+              <a:t> -&gt; Classloader of Bundle </a:t>
+            </a:r>
+            <a:r>
+              <a:rPr lang="de-DE" sz="2000" dirty="0" smtClean="0"/>
+              <a:t>A</a:t>
+            </a:r>
+            <a:r>
+              <a:rPr lang="de-DE" sz="2000" dirty="0" smtClean="0">
+                <a:latin typeface="Letter Gothic" pitchFamily="49" charset="0"/>
+              </a:rPr>
+              <a:t/>
+            </a:r>
+            <a:br>
+              <a:rPr lang="de-DE" sz="2000" dirty="0" smtClean="0">
+                <a:latin typeface="Letter Gothic" pitchFamily="49" charset="0"/>
+              </a:rPr>
+            </a:br>
+            <a:r>
+              <a:rPr lang="de-DE" sz="2000" dirty="0" smtClean="0">
+                <a:latin typeface="Letter Gothic" pitchFamily="49" charset="0"/>
+              </a:rPr>
+              <a:t>B b = new B();</a:t>
+            </a:r>
+            <a:br>
+              <a:rPr lang="de-DE" sz="2000" dirty="0" smtClean="0">
+                <a:latin typeface="Letter Gothic" pitchFamily="49" charset="0"/>
+              </a:rPr>
+            </a:br>
+            <a:r>
+              <a:rPr lang="de-DE" sz="2000" dirty="0" smtClean="0">
+                <a:latin typeface="Letter Gothic" pitchFamily="49" charset="0"/>
+              </a:rPr>
+              <a:t>b.getClass().getClassloader()</a:t>
+            </a:r>
+            <a:r>
+              <a:rPr lang="de-DE" dirty="0" smtClean="0"/>
+              <a:t> </a:t>
+            </a:r>
+            <a:r>
+              <a:rPr lang="de-DE" sz="2000" dirty="0" smtClean="0"/>
+              <a:t>-&gt; Classloader of Bundle B</a:t>
             </a:r>
           </a:p>
         </p:txBody>
       </p:sp>
-      <p:pic>
-        <p:nvPicPr>
-          <p:cNvPr id="5" name="Picture 4"/>
-          <p:cNvPicPr>
-            <a:picLocks noChangeAspect="1"/>
-          </p:cNvPicPr>
-          <p:nvPr/>
-        </p:nvPicPr>
-        <p:blipFill>
-          <a:blip r:embed="rId2"/>
-          <a:stretch>
-            <a:fillRect/>
-          </a:stretch>
-        </p:blipFill>
-        <p:spPr>
-          <a:xfrm>
-            <a:off x="2120333" y="4055774"/>
-            <a:ext cx="4926600" cy="1861560"/>
-          </a:xfrm>
-          <a:prstGeom prst="rect">
-            <a:avLst/>
-          </a:prstGeom>
-          <a:noFill/>
-          <a:ln>
-            <a:noFill/>
-          </a:ln>
-        </p:spPr>
-      </p:pic>
     </p:spTree>
     <p:extLst>
       <p:ext uri="{BB962C8B-B14F-4D97-AF65-F5344CB8AC3E}">
-        <p14:creationId xmlns:p14="http://schemas.microsoft.com/office/powerpoint/2010/main" val="2676157991"/>
+        <p14:creationId xmlns:p14="http://schemas.microsoft.com/office/powerpoint/2010/main" val="2108691116"/>
       </p:ext>
     </p:extLst>
   </p:cSld>
